--- a/info/setup-peacechant-2.pptx
+++ b/info/setup-peacechant-2.pptx
@@ -14,6 +14,7 @@
     <p:sldId id="259" r:id="rId8"/>
     <p:sldId id="263" r:id="rId9"/>
     <p:sldId id="264" r:id="rId10"/>
+    <p:sldId id="265" r:id="rId11"/>
   </p:sldIdLst>
   <p:sldSz cx="6858000" cy="9144000" type="letter"/>
   <p:notesSz cx="6858000" cy="9144000"/>
@@ -3402,6 +3403,696 @@
     <p:extLst>
       <p:ext uri="{BB962C8B-B14F-4D97-AF65-F5344CB8AC3E}">
         <p14:creationId xmlns:p14="http://schemas.microsoft.com/office/powerpoint/2010/main" val="290967904"/>
+      </p:ext>
+    </p:extLst>
+  </p:cSld>
+  <p:clrMapOvr>
+    <a:masterClrMapping/>
+  </p:clrMapOvr>
+</p:sld>
+</file>
+
+<file path=ppt/slides/slide10.xml><?xml version="1.0" encoding="utf-8"?>
+<p:sld xmlns:a="http://schemas.openxmlformats.org/drawingml/2006/main" xmlns:r="http://schemas.openxmlformats.org/officeDocument/2006/relationships" xmlns:p="http://schemas.openxmlformats.org/presentationml/2006/main">
+  <p:cSld>
+    <p:bg>
+      <p:bgPr>
+        <a:solidFill>
+          <a:schemeClr val="bg1">
+            <a:lumMod val="65000"/>
+          </a:schemeClr>
+        </a:solidFill>
+        <a:effectLst/>
+      </p:bgPr>
+    </p:bg>
+    <p:spTree>
+      <p:nvGrpSpPr>
+        <p:cNvPr id="1" name=""/>
+        <p:cNvGrpSpPr/>
+        <p:nvPr/>
+      </p:nvGrpSpPr>
+      <p:grpSpPr>
+        <a:xfrm>
+          <a:off x="0" y="0"/>
+          <a:ext cx="0" cy="0"/>
+          <a:chOff x="0" y="0"/>
+          <a:chExt cx="0" cy="0"/>
+        </a:xfrm>
+      </p:grpSpPr>
+      <p:pic>
+        <p:nvPicPr>
+          <p:cNvPr id="5" name="Picture 4">
+            <a:extLst>
+              <a:ext uri="{FF2B5EF4-FFF2-40B4-BE49-F238E27FC236}">
+                <a16:creationId xmlns:a16="http://schemas.microsoft.com/office/drawing/2014/main" id="{340BFF82-FF8F-4955-A963-7B8DDD04ED7A}"/>
+              </a:ext>
+            </a:extLst>
+          </p:cNvPr>
+          <p:cNvPicPr>
+            <a:picLocks noChangeAspect="1"/>
+          </p:cNvPicPr>
+          <p:nvPr/>
+        </p:nvPicPr>
+        <p:blipFill>
+          <a:blip r:embed="rId2">
+            <a:extLst>
+              <a:ext uri="{28A0092B-C50C-407E-A947-70E740481C1C}">
+                <a14:useLocalDpi xmlns:a14="http://schemas.microsoft.com/office/drawing/2010/main" val="0"/>
+              </a:ext>
+            </a:extLst>
+          </a:blip>
+          <a:stretch>
+            <a:fillRect/>
+          </a:stretch>
+        </p:blipFill>
+        <p:spPr>
+          <a:xfrm rot="5198003">
+            <a:off x="-6234876" y="-3499139"/>
+            <a:ext cx="23086952" cy="12986410"/>
+          </a:xfrm>
+          <a:prstGeom prst="rect">
+            <a:avLst/>
+          </a:prstGeom>
+        </p:spPr>
+      </p:pic>
+      <p:sp>
+        <p:nvSpPr>
+          <p:cNvPr id="9" name="Frame 8">
+            <a:extLst>
+              <a:ext uri="{FF2B5EF4-FFF2-40B4-BE49-F238E27FC236}">
+                <a16:creationId xmlns:a16="http://schemas.microsoft.com/office/drawing/2014/main" id="{8E55DC61-9A6F-43C9-A3EF-1881CC453E06}"/>
+              </a:ext>
+            </a:extLst>
+          </p:cNvPr>
+          <p:cNvSpPr>
+            <a:spLocks noChangeAspect="1"/>
+          </p:cNvSpPr>
+          <p:nvPr/>
+        </p:nvSpPr>
+        <p:spPr>
+          <a:xfrm>
+            <a:off x="-1469571" y="-2319454"/>
+            <a:ext cx="9797142" cy="13771756"/>
+          </a:xfrm>
+          <a:prstGeom prst="frame">
+            <a:avLst>
+              <a:gd name="adj1" fmla="val 30889"/>
+            </a:avLst>
+          </a:prstGeom>
+          <a:solidFill>
+            <a:schemeClr val="tx1">
+              <a:lumMod val="65000"/>
+              <a:lumOff val="35000"/>
+            </a:schemeClr>
+          </a:solidFill>
+          <a:ln>
+            <a:noFill/>
+          </a:ln>
+        </p:spPr>
+        <p:style>
+          <a:lnRef idx="2">
+            <a:schemeClr val="accent1">
+              <a:shade val="50000"/>
+            </a:schemeClr>
+          </a:lnRef>
+          <a:fillRef idx="1">
+            <a:schemeClr val="accent1"/>
+          </a:fillRef>
+          <a:effectRef idx="0">
+            <a:schemeClr val="accent1"/>
+          </a:effectRef>
+          <a:fontRef idx="minor">
+            <a:schemeClr val="lt1"/>
+          </a:fontRef>
+        </p:style>
+        <p:txBody>
+          <a:bodyPr rtlCol="0" anchor="ctr"/>
+          <a:lstStyle/>
+          <a:p>
+            <a:pPr algn="ctr"/>
+            <a:endParaRPr lang="en-US">
+              <a:solidFill>
+                <a:schemeClr val="tx1"/>
+              </a:solidFill>
+            </a:endParaRPr>
+          </a:p>
+        </p:txBody>
+      </p:sp>
+      <p:grpSp>
+        <p:nvGrpSpPr>
+          <p:cNvPr id="6" name="Group 5">
+            <a:extLst>
+              <a:ext uri="{FF2B5EF4-FFF2-40B4-BE49-F238E27FC236}">
+                <a16:creationId xmlns:a16="http://schemas.microsoft.com/office/drawing/2014/main" id="{BB84C726-FA03-42A3-B9FE-30F1FFEBD947}"/>
+              </a:ext>
+            </a:extLst>
+          </p:cNvPr>
+          <p:cNvGrpSpPr>
+            <a:grpSpLocks noChangeAspect="1"/>
+          </p:cNvGrpSpPr>
+          <p:nvPr/>
+        </p:nvGrpSpPr>
+        <p:grpSpPr>
+          <a:xfrm>
+            <a:off x="1335094" y="518160"/>
+            <a:ext cx="4187812" cy="8107680"/>
+            <a:chOff x="1264447" y="1411033"/>
+            <a:chExt cx="2093906" cy="4053840"/>
+          </a:xfrm>
+        </p:grpSpPr>
+        <p:sp>
+          <p:nvSpPr>
+            <p:cNvPr id="7" name="Rectangle 6">
+              <a:extLst>
+                <a:ext uri="{FF2B5EF4-FFF2-40B4-BE49-F238E27FC236}">
+                  <a16:creationId xmlns:a16="http://schemas.microsoft.com/office/drawing/2014/main" id="{5623072A-6454-4FB8-B5A5-70FD825315BB}"/>
+                </a:ext>
+              </a:extLst>
+            </p:cNvPr>
+            <p:cNvSpPr/>
+            <p:nvPr/>
+          </p:nvSpPr>
+          <p:spPr>
+            <a:xfrm>
+              <a:off x="1371600" y="1498600"/>
+              <a:ext cx="1879600" cy="3860800"/>
+            </a:xfrm>
+            <a:prstGeom prst="rect">
+              <a:avLst/>
+            </a:prstGeom>
+            <a:noFill/>
+            <a:ln>
+              <a:solidFill>
+                <a:schemeClr val="bg1"/>
+              </a:solidFill>
+            </a:ln>
+          </p:spPr>
+          <p:style>
+            <a:lnRef idx="2">
+              <a:schemeClr val="accent1">
+                <a:shade val="50000"/>
+              </a:schemeClr>
+            </a:lnRef>
+            <a:fillRef idx="1">
+              <a:schemeClr val="accent1"/>
+            </a:fillRef>
+            <a:effectRef idx="0">
+              <a:schemeClr val="accent1"/>
+            </a:effectRef>
+            <a:fontRef idx="minor">
+              <a:schemeClr val="lt1"/>
+            </a:fontRef>
+          </p:style>
+          <p:txBody>
+            <a:bodyPr rtlCol="0" anchor="ctr"/>
+            <a:lstStyle/>
+            <a:p>
+              <a:pPr algn="ctr"/>
+              <a:endParaRPr lang="en-US"/>
+            </a:p>
+          </p:txBody>
+        </p:sp>
+        <p:sp>
+          <p:nvSpPr>
+            <p:cNvPr id="8" name="Rectangle: Rounded Corners 7">
+              <a:extLst>
+                <a:ext uri="{FF2B5EF4-FFF2-40B4-BE49-F238E27FC236}">
+                  <a16:creationId xmlns:a16="http://schemas.microsoft.com/office/drawing/2014/main" id="{21BEC2FF-C8EC-493E-9A03-967303963650}"/>
+                </a:ext>
+              </a:extLst>
+            </p:cNvPr>
+            <p:cNvSpPr/>
+            <p:nvPr/>
+          </p:nvSpPr>
+          <p:spPr>
+            <a:xfrm>
+              <a:off x="1264447" y="1411033"/>
+              <a:ext cx="2093906" cy="4053840"/>
+            </a:xfrm>
+            <a:prstGeom prst="roundRect">
+              <a:avLst>
+                <a:gd name="adj" fmla="val 6741"/>
+              </a:avLst>
+            </a:prstGeom>
+            <a:noFill/>
+            <a:ln>
+              <a:solidFill>
+                <a:schemeClr val="bg1"/>
+              </a:solidFill>
+            </a:ln>
+          </p:spPr>
+          <p:style>
+            <a:lnRef idx="2">
+              <a:schemeClr val="accent1">
+                <a:shade val="50000"/>
+              </a:schemeClr>
+            </a:lnRef>
+            <a:fillRef idx="1">
+              <a:schemeClr val="accent1"/>
+            </a:fillRef>
+            <a:effectRef idx="0">
+              <a:schemeClr val="accent1"/>
+            </a:effectRef>
+            <a:fontRef idx="minor">
+              <a:schemeClr val="lt1"/>
+            </a:fontRef>
+          </p:style>
+          <p:txBody>
+            <a:bodyPr rtlCol="0" anchor="ctr"/>
+            <a:lstStyle/>
+            <a:p>
+              <a:pPr algn="ctr"/>
+              <a:endParaRPr lang="en-US"/>
+            </a:p>
+          </p:txBody>
+        </p:sp>
+      </p:grpSp>
+      <p:grpSp>
+        <p:nvGrpSpPr>
+          <p:cNvPr id="14" name="Group 13">
+            <a:extLst>
+              <a:ext uri="{FF2B5EF4-FFF2-40B4-BE49-F238E27FC236}">
+                <a16:creationId xmlns:a16="http://schemas.microsoft.com/office/drawing/2014/main" id="{861A5AFF-02FE-4476-B99A-45238D1FC430}"/>
+              </a:ext>
+            </a:extLst>
+          </p:cNvPr>
+          <p:cNvGrpSpPr>
+            <a:grpSpLocks noChangeAspect="1"/>
+          </p:cNvGrpSpPr>
+          <p:nvPr/>
+        </p:nvGrpSpPr>
+        <p:grpSpPr>
+          <a:xfrm rot="20520000">
+            <a:off x="4532779" y="7634033"/>
+            <a:ext cx="731520" cy="731520"/>
+            <a:chOff x="7504476" y="5886450"/>
+            <a:chExt cx="342900" cy="342900"/>
+          </a:xfrm>
+        </p:grpSpPr>
+        <p:sp>
+          <p:nvSpPr>
+            <p:cNvPr id="15" name="Oval 14">
+              <a:extLst>
+                <a:ext uri="{FF2B5EF4-FFF2-40B4-BE49-F238E27FC236}">
+                  <a16:creationId xmlns:a16="http://schemas.microsoft.com/office/drawing/2014/main" id="{623622F7-669F-4EDF-A965-0BB7C4907050}"/>
+                </a:ext>
+              </a:extLst>
+            </p:cNvPr>
+            <p:cNvSpPr/>
+            <p:nvPr/>
+          </p:nvSpPr>
+          <p:spPr>
+            <a:xfrm>
+              <a:off x="7504476" y="5886450"/>
+              <a:ext cx="342900" cy="342900"/>
+            </a:xfrm>
+            <a:prstGeom prst="ellipse">
+              <a:avLst/>
+            </a:prstGeom>
+          </p:spPr>
+          <p:style>
+            <a:lnRef idx="2">
+              <a:schemeClr val="accent3">
+                <a:shade val="50000"/>
+              </a:schemeClr>
+            </a:lnRef>
+            <a:fillRef idx="1">
+              <a:schemeClr val="accent3"/>
+            </a:fillRef>
+            <a:effectRef idx="0">
+              <a:schemeClr val="accent3"/>
+            </a:effectRef>
+            <a:fontRef idx="minor">
+              <a:schemeClr val="lt1"/>
+            </a:fontRef>
+          </p:style>
+          <p:txBody>
+            <a:bodyPr rtlCol="0" anchor="ctr"/>
+            <a:lstStyle/>
+            <a:p>
+              <a:pPr algn="ctr"/>
+              <a:endParaRPr lang="en-US"/>
+            </a:p>
+          </p:txBody>
+        </p:sp>
+        <p:sp>
+          <p:nvSpPr>
+            <p:cNvPr id="16" name="Star: 5 Points 15">
+              <a:extLst>
+                <a:ext uri="{FF2B5EF4-FFF2-40B4-BE49-F238E27FC236}">
+                  <a16:creationId xmlns:a16="http://schemas.microsoft.com/office/drawing/2014/main" id="{63DF209D-373A-4BBF-9782-6613578FD1FF}"/>
+                </a:ext>
+              </a:extLst>
+            </p:cNvPr>
+            <p:cNvSpPr>
+              <a:spLocks noChangeAspect="1"/>
+            </p:cNvSpPr>
+            <p:nvPr/>
+          </p:nvSpPr>
+          <p:spPr>
+            <a:xfrm>
+              <a:off x="7633064" y="5907879"/>
+              <a:ext cx="85725" cy="85725"/>
+            </a:xfrm>
+            <a:prstGeom prst="star5">
+              <a:avLst>
+                <a:gd name="adj" fmla="val 20354"/>
+                <a:gd name="hf" fmla="val 105146"/>
+                <a:gd name="vf" fmla="val 110557"/>
+              </a:avLst>
+            </a:prstGeom>
+          </p:spPr>
+          <p:style>
+            <a:lnRef idx="2">
+              <a:schemeClr val="dk1">
+                <a:shade val="50000"/>
+              </a:schemeClr>
+            </a:lnRef>
+            <a:fillRef idx="1">
+              <a:schemeClr val="dk1"/>
+            </a:fillRef>
+            <a:effectRef idx="0">
+              <a:schemeClr val="dk1"/>
+            </a:effectRef>
+            <a:fontRef idx="minor">
+              <a:schemeClr val="lt1"/>
+            </a:fontRef>
+          </p:style>
+          <p:txBody>
+            <a:bodyPr rtlCol="0" anchor="ctr"/>
+            <a:lstStyle/>
+            <a:p>
+              <a:pPr algn="ctr"/>
+              <a:endParaRPr lang="en-US"/>
+            </a:p>
+          </p:txBody>
+        </p:sp>
+        <p:sp>
+          <p:nvSpPr>
+            <p:cNvPr id="17" name="Rectangle 16">
+              <a:extLst>
+                <a:ext uri="{FF2B5EF4-FFF2-40B4-BE49-F238E27FC236}">
+                  <a16:creationId xmlns:a16="http://schemas.microsoft.com/office/drawing/2014/main" id="{489F2853-2CEE-42A6-9B8F-17EC9204C953}"/>
+                </a:ext>
+              </a:extLst>
+            </p:cNvPr>
+            <p:cNvSpPr>
+              <a:spLocks/>
+            </p:cNvSpPr>
+            <p:nvPr/>
+          </p:nvSpPr>
+          <p:spPr>
+            <a:xfrm>
+              <a:off x="7666782" y="5992415"/>
+              <a:ext cx="18288" cy="228600"/>
+            </a:xfrm>
+            <a:prstGeom prst="rect">
+              <a:avLst/>
+            </a:prstGeom>
+            <a:solidFill>
+              <a:schemeClr val="tx1"/>
+            </a:solidFill>
+            <a:ln>
+              <a:noFill/>
+            </a:ln>
+          </p:spPr>
+          <p:style>
+            <a:lnRef idx="2">
+              <a:schemeClr val="accent1">
+                <a:shade val="50000"/>
+              </a:schemeClr>
+            </a:lnRef>
+            <a:fillRef idx="1">
+              <a:schemeClr val="accent1"/>
+            </a:fillRef>
+            <a:effectRef idx="0">
+              <a:schemeClr val="accent1"/>
+            </a:effectRef>
+            <a:fontRef idx="minor">
+              <a:schemeClr val="lt1"/>
+            </a:fontRef>
+          </p:style>
+          <p:txBody>
+            <a:bodyPr rtlCol="0" anchor="ctr"/>
+            <a:lstStyle/>
+            <a:p>
+              <a:pPr algn="ctr"/>
+              <a:endParaRPr lang="en-US"/>
+            </a:p>
+          </p:txBody>
+        </p:sp>
+      </p:grpSp>
+      <p:grpSp>
+        <p:nvGrpSpPr>
+          <p:cNvPr id="4" name="Group 3">
+            <a:extLst>
+              <a:ext uri="{FF2B5EF4-FFF2-40B4-BE49-F238E27FC236}">
+                <a16:creationId xmlns:a16="http://schemas.microsoft.com/office/drawing/2014/main" id="{D1638777-AC07-41C3-8ACE-3A9E527F53F1}"/>
+              </a:ext>
+            </a:extLst>
+          </p:cNvPr>
+          <p:cNvGrpSpPr/>
+          <p:nvPr/>
+        </p:nvGrpSpPr>
+        <p:grpSpPr>
+          <a:xfrm>
+            <a:off x="2349522" y="6462967"/>
+            <a:ext cx="1371600" cy="1371600"/>
+            <a:chOff x="-3717829" y="5659308"/>
+            <a:chExt cx="1371600" cy="1371600"/>
+          </a:xfrm>
+        </p:grpSpPr>
+        <p:sp>
+          <p:nvSpPr>
+            <p:cNvPr id="2" name="Oval 1">
+              <a:extLst>
+                <a:ext uri="{FF2B5EF4-FFF2-40B4-BE49-F238E27FC236}">
+                  <a16:creationId xmlns:a16="http://schemas.microsoft.com/office/drawing/2014/main" id="{D5A2137A-7F4E-46D9-BC24-561646AC6D39}"/>
+                </a:ext>
+              </a:extLst>
+            </p:cNvPr>
+            <p:cNvSpPr/>
+            <p:nvPr/>
+          </p:nvSpPr>
+          <p:spPr>
+            <a:xfrm>
+              <a:off x="-3489229" y="5887908"/>
+              <a:ext cx="914400" cy="914400"/>
+            </a:xfrm>
+            <a:prstGeom prst="ellipse">
+              <a:avLst/>
+            </a:prstGeom>
+            <a:noFill/>
+            <a:ln w="38100">
+              <a:solidFill>
+                <a:schemeClr val="accent4">
+                  <a:lumMod val="40000"/>
+                  <a:lumOff val="60000"/>
+                </a:schemeClr>
+              </a:solidFill>
+            </a:ln>
+          </p:spPr>
+          <p:style>
+            <a:lnRef idx="2">
+              <a:schemeClr val="accent1">
+                <a:shade val="50000"/>
+              </a:schemeClr>
+            </a:lnRef>
+            <a:fillRef idx="1">
+              <a:schemeClr val="accent1"/>
+            </a:fillRef>
+            <a:effectRef idx="0">
+              <a:schemeClr val="accent1"/>
+            </a:effectRef>
+            <a:fontRef idx="minor">
+              <a:schemeClr val="lt1"/>
+            </a:fontRef>
+          </p:style>
+          <p:txBody>
+            <a:bodyPr rtlCol="0" anchor="ctr"/>
+            <a:lstStyle/>
+            <a:p>
+              <a:pPr algn="ctr"/>
+              <a:endParaRPr lang="en-US"/>
+            </a:p>
+          </p:txBody>
+        </p:sp>
+        <p:sp>
+          <p:nvSpPr>
+            <p:cNvPr id="12" name="Oval 11">
+              <a:extLst>
+                <a:ext uri="{FF2B5EF4-FFF2-40B4-BE49-F238E27FC236}">
+                  <a16:creationId xmlns:a16="http://schemas.microsoft.com/office/drawing/2014/main" id="{B7424242-DF50-40FD-95C8-1E3ADB6BA062}"/>
+                </a:ext>
+              </a:extLst>
+            </p:cNvPr>
+            <p:cNvSpPr>
+              <a:spLocks noChangeAspect="1"/>
+            </p:cNvSpPr>
+            <p:nvPr/>
+          </p:nvSpPr>
+          <p:spPr>
+            <a:xfrm>
+              <a:off x="-3580669" y="5796468"/>
+              <a:ext cx="1097280" cy="1097280"/>
+            </a:xfrm>
+            <a:prstGeom prst="ellipse">
+              <a:avLst/>
+            </a:prstGeom>
+            <a:noFill/>
+            <a:ln w="38100">
+              <a:solidFill>
+                <a:schemeClr val="accent4">
+                  <a:lumMod val="60000"/>
+                  <a:lumOff val="40000"/>
+                </a:schemeClr>
+              </a:solidFill>
+            </a:ln>
+          </p:spPr>
+          <p:style>
+            <a:lnRef idx="2">
+              <a:schemeClr val="accent1">
+                <a:shade val="50000"/>
+              </a:schemeClr>
+            </a:lnRef>
+            <a:fillRef idx="1">
+              <a:schemeClr val="accent1"/>
+            </a:fillRef>
+            <a:effectRef idx="0">
+              <a:schemeClr val="accent1"/>
+            </a:effectRef>
+            <a:fontRef idx="minor">
+              <a:schemeClr val="lt1"/>
+            </a:fontRef>
+          </p:style>
+          <p:txBody>
+            <a:bodyPr rtlCol="0" anchor="ctr"/>
+            <a:lstStyle/>
+            <a:p>
+              <a:pPr algn="ctr"/>
+              <a:endParaRPr lang="en-US"/>
+            </a:p>
+          </p:txBody>
+        </p:sp>
+        <p:sp>
+          <p:nvSpPr>
+            <p:cNvPr id="13" name="Oval 12">
+              <a:extLst>
+                <a:ext uri="{FF2B5EF4-FFF2-40B4-BE49-F238E27FC236}">
+                  <a16:creationId xmlns:a16="http://schemas.microsoft.com/office/drawing/2014/main" id="{D6191D2B-EB79-4EFC-B925-29EF33413AAC}"/>
+                </a:ext>
+              </a:extLst>
+            </p:cNvPr>
+            <p:cNvSpPr>
+              <a:spLocks noChangeAspect="1"/>
+            </p:cNvSpPr>
+            <p:nvPr/>
+          </p:nvSpPr>
+          <p:spPr>
+            <a:xfrm>
+              <a:off x="-3717829" y="5659308"/>
+              <a:ext cx="1371600" cy="1371600"/>
+            </a:xfrm>
+            <a:prstGeom prst="ellipse">
+              <a:avLst/>
+            </a:prstGeom>
+            <a:noFill/>
+            <a:ln w="38100">
+              <a:solidFill>
+                <a:schemeClr val="accent4">
+                  <a:lumMod val="75000"/>
+                </a:schemeClr>
+              </a:solidFill>
+            </a:ln>
+          </p:spPr>
+          <p:style>
+            <a:lnRef idx="2">
+              <a:schemeClr val="accent1">
+                <a:shade val="50000"/>
+              </a:schemeClr>
+            </a:lnRef>
+            <a:fillRef idx="1">
+              <a:schemeClr val="accent1"/>
+            </a:fillRef>
+            <a:effectRef idx="0">
+              <a:schemeClr val="accent1"/>
+            </a:effectRef>
+            <a:fontRef idx="minor">
+              <a:schemeClr val="lt1"/>
+            </a:fontRef>
+          </p:style>
+          <p:txBody>
+            <a:bodyPr rtlCol="0" anchor="ctr"/>
+            <a:lstStyle/>
+            <a:p>
+              <a:pPr algn="ctr"/>
+              <a:endParaRPr lang="en-US"/>
+            </a:p>
+          </p:txBody>
+        </p:sp>
+        <p:sp>
+          <p:nvSpPr>
+            <p:cNvPr id="18" name="Oval 17">
+              <a:extLst>
+                <a:ext uri="{FF2B5EF4-FFF2-40B4-BE49-F238E27FC236}">
+                  <a16:creationId xmlns:a16="http://schemas.microsoft.com/office/drawing/2014/main" id="{13D16939-5A9F-41F8-A2AE-75D85C1AE61E}"/>
+                </a:ext>
+              </a:extLst>
+            </p:cNvPr>
+            <p:cNvSpPr>
+              <a:spLocks noChangeAspect="1"/>
+            </p:cNvSpPr>
+            <p:nvPr/>
+          </p:nvSpPr>
+          <p:spPr>
+            <a:xfrm>
+              <a:off x="-3123469" y="6253668"/>
+              <a:ext cx="182880" cy="182880"/>
+            </a:xfrm>
+            <a:prstGeom prst="ellipse">
+              <a:avLst/>
+            </a:prstGeom>
+            <a:solidFill>
+              <a:srgbClr val="FF0000">
+                <a:alpha val="25098"/>
+              </a:srgbClr>
+            </a:solidFill>
+            <a:ln w="38100">
+              <a:solidFill>
+                <a:srgbClr val="FF0000"/>
+              </a:solidFill>
+            </a:ln>
+          </p:spPr>
+          <p:style>
+            <a:lnRef idx="2">
+              <a:schemeClr val="accent1">
+                <a:shade val="50000"/>
+              </a:schemeClr>
+            </a:lnRef>
+            <a:fillRef idx="1">
+              <a:schemeClr val="accent1"/>
+            </a:fillRef>
+            <a:effectRef idx="0">
+              <a:schemeClr val="accent1"/>
+            </a:effectRef>
+            <a:fontRef idx="minor">
+              <a:schemeClr val="lt1"/>
+            </a:fontRef>
+          </p:style>
+          <p:txBody>
+            <a:bodyPr rtlCol="0" anchor="ctr"/>
+            <a:lstStyle/>
+            <a:p>
+              <a:pPr algn="ctr"/>
+              <a:endParaRPr lang="en-US"/>
+            </a:p>
+          </p:txBody>
+        </p:sp>
+      </p:grpSp>
+    </p:spTree>
+    <p:extLst>
+      <p:ext uri="{BB962C8B-B14F-4D97-AF65-F5344CB8AC3E}">
+        <p14:creationId xmlns:p14="http://schemas.microsoft.com/office/powerpoint/2010/main" val="2402417386"/>
       </p:ext>
     </p:extLst>
   </p:cSld>
